--- a/Файловая система BSZ .pptx
+++ b/Файловая система BSZ .pptx
@@ -6,9 +6,11 @@
   </p:sldMasterIdLst>
   <p:sldIdLst>
     <p:sldId id="256" r:id="rId2"/>
-    <p:sldId id="257" r:id="rId3"/>
-    <p:sldId id="258" r:id="rId4"/>
-    <p:sldId id="259" r:id="rId5"/>
+    <p:sldId id="261" r:id="rId3"/>
+    <p:sldId id="257" r:id="rId4"/>
+    <p:sldId id="258" r:id="rId5"/>
+    <p:sldId id="259" r:id="rId6"/>
+    <p:sldId id="260" r:id="rId7"/>
   </p:sldIdLst>
   <p:sldSz cx="12192000" cy="6858000"/>
   <p:notesSz cx="6858000" cy="9144000"/>
@@ -262,7 +264,7 @@
           <a:p>
             <a:fld id="{1BC59CB3-F700-408F-8985-131417169991}" type="datetimeFigureOut">
               <a:rPr lang="ru-RU" smtClean="0"/>
-              <a:t>06.05.2025</a:t>
+              <a:t>22.05.2025</a:t>
             </a:fld>
             <a:endParaRPr lang="ru-RU"/>
           </a:p>
@@ -460,7 +462,7 @@
           <a:p>
             <a:fld id="{1BC59CB3-F700-408F-8985-131417169991}" type="datetimeFigureOut">
               <a:rPr lang="ru-RU" smtClean="0"/>
-              <a:t>06.05.2025</a:t>
+              <a:t>22.05.2025</a:t>
             </a:fld>
             <a:endParaRPr lang="ru-RU"/>
           </a:p>
@@ -668,7 +670,7 @@
           <a:p>
             <a:fld id="{1BC59CB3-F700-408F-8985-131417169991}" type="datetimeFigureOut">
               <a:rPr lang="ru-RU" smtClean="0"/>
-              <a:t>06.05.2025</a:t>
+              <a:t>22.05.2025</a:t>
             </a:fld>
             <a:endParaRPr lang="ru-RU"/>
           </a:p>
@@ -866,7 +868,7 @@
           <a:p>
             <a:fld id="{1BC59CB3-F700-408F-8985-131417169991}" type="datetimeFigureOut">
               <a:rPr lang="ru-RU" smtClean="0"/>
-              <a:t>06.05.2025</a:t>
+              <a:t>22.05.2025</a:t>
             </a:fld>
             <a:endParaRPr lang="ru-RU"/>
           </a:p>
@@ -1141,7 +1143,7 @@
           <a:p>
             <a:fld id="{1BC59CB3-F700-408F-8985-131417169991}" type="datetimeFigureOut">
               <a:rPr lang="ru-RU" smtClean="0"/>
-              <a:t>06.05.2025</a:t>
+              <a:t>22.05.2025</a:t>
             </a:fld>
             <a:endParaRPr lang="ru-RU"/>
           </a:p>
@@ -1406,7 +1408,7 @@
           <a:p>
             <a:fld id="{1BC59CB3-F700-408F-8985-131417169991}" type="datetimeFigureOut">
               <a:rPr lang="ru-RU" smtClean="0"/>
-              <a:t>06.05.2025</a:t>
+              <a:t>22.05.2025</a:t>
             </a:fld>
             <a:endParaRPr lang="ru-RU"/>
           </a:p>
@@ -1818,7 +1820,7 @@
           <a:p>
             <a:fld id="{1BC59CB3-F700-408F-8985-131417169991}" type="datetimeFigureOut">
               <a:rPr lang="ru-RU" smtClean="0"/>
-              <a:t>06.05.2025</a:t>
+              <a:t>22.05.2025</a:t>
             </a:fld>
             <a:endParaRPr lang="ru-RU"/>
           </a:p>
@@ -1959,7 +1961,7 @@
           <a:p>
             <a:fld id="{1BC59CB3-F700-408F-8985-131417169991}" type="datetimeFigureOut">
               <a:rPr lang="ru-RU" smtClean="0"/>
-              <a:t>06.05.2025</a:t>
+              <a:t>22.05.2025</a:t>
             </a:fld>
             <a:endParaRPr lang="ru-RU"/>
           </a:p>
@@ -2072,7 +2074,7 @@
           <a:p>
             <a:fld id="{1BC59CB3-F700-408F-8985-131417169991}" type="datetimeFigureOut">
               <a:rPr lang="ru-RU" smtClean="0"/>
-              <a:t>06.05.2025</a:t>
+              <a:t>22.05.2025</a:t>
             </a:fld>
             <a:endParaRPr lang="ru-RU"/>
           </a:p>
@@ -2383,7 +2385,7 @@
           <a:p>
             <a:fld id="{1BC59CB3-F700-408F-8985-131417169991}" type="datetimeFigureOut">
               <a:rPr lang="ru-RU" smtClean="0"/>
-              <a:t>06.05.2025</a:t>
+              <a:t>22.05.2025</a:t>
             </a:fld>
             <a:endParaRPr lang="ru-RU"/>
           </a:p>
@@ -2671,7 +2673,7 @@
           <a:p>
             <a:fld id="{1BC59CB3-F700-408F-8985-131417169991}" type="datetimeFigureOut">
               <a:rPr lang="ru-RU" smtClean="0"/>
-              <a:t>06.05.2025</a:t>
+              <a:t>22.05.2025</a:t>
             </a:fld>
             <a:endParaRPr lang="ru-RU"/>
           </a:p>
@@ -2912,7 +2914,7 @@
           <a:p>
             <a:fld id="{1BC59CB3-F700-408F-8985-131417169991}" type="datetimeFigureOut">
               <a:rPr lang="ru-RU" smtClean="0"/>
-              <a:t>06.05.2025</a:t>
+              <a:t>22.05.2025</a:t>
             </a:fld>
             <a:endParaRPr lang="ru-RU"/>
           </a:p>
@@ -3468,114 +3470,78 @@
       </p:grpSpPr>
       <p:sp>
         <p:nvSpPr>
-          <p:cNvPr id="2" name="TextBox 1">
-            <a:extLst>
-              <a:ext uri="{FF2B5EF4-FFF2-40B4-BE49-F238E27FC236}">
-                <a16:creationId xmlns:a16="http://schemas.microsoft.com/office/drawing/2014/main" id="{00F28297-A16C-454B-8612-8E228A55AB62}"/>
-              </a:ext>
-            </a:extLst>
-          </p:cNvPr>
-          <p:cNvSpPr txBox="1"/>
+          <p:cNvPr id="2" name="Заголовок 1">
+            <a:extLst>
+              <a:ext uri="{FF2B5EF4-FFF2-40B4-BE49-F238E27FC236}">
+                <a16:creationId xmlns:a16="http://schemas.microsoft.com/office/drawing/2014/main" id="{6E156781-009B-4859-A555-0C4842BC1F94}"/>
+              </a:ext>
+            </a:extLst>
+          </p:cNvPr>
+          <p:cNvSpPr>
+            <a:spLocks noGrp="1"/>
+          </p:cNvSpPr>
+          <p:nvPr>
+            <p:ph type="title"/>
+          </p:nvPr>
+        </p:nvSpPr>
+        <p:spPr/>
+        <p:txBody>
+          <a:bodyPr>
+            <a:normAutofit/>
+          </a:bodyPr>
+          <a:lstStyle/>
+          <a:p>
+            <a:pPr algn="ctr"/>
+            <a:r>
+              <a:rPr lang="ru-RU" sz="2400" dirty="0">
+                <a:latin typeface="Times New Roman" panose="02020603050405020304" pitchFamily="18" charset="0"/>
+                <a:cs typeface="Times New Roman" panose="02020603050405020304" pitchFamily="18" charset="0"/>
+              </a:rPr>
+              <a:t>Логотип нашей файловой системы</a:t>
+            </a:r>
+          </a:p>
+        </p:txBody>
+      </p:sp>
+      <p:pic>
+        <p:nvPicPr>
+          <p:cNvPr id="5" name="Рисунок 4">
+            <a:extLst>
+              <a:ext uri="{FF2B5EF4-FFF2-40B4-BE49-F238E27FC236}">
+                <a16:creationId xmlns:a16="http://schemas.microsoft.com/office/drawing/2014/main" id="{2B3508C9-B8F7-4363-BE67-56ED836352D3}"/>
+              </a:ext>
+            </a:extLst>
+          </p:cNvPr>
+          <p:cNvPicPr>
+            <a:picLocks noChangeAspect="1"/>
+          </p:cNvPicPr>
           <p:nvPr/>
-        </p:nvSpPr>
+        </p:nvPicPr>
+        <p:blipFill>
+          <a:blip r:embed="rId2">
+            <a:extLst>
+              <a:ext uri="{28A0092B-C50C-407E-A947-70E740481C1C}">
+                <a14:useLocalDpi xmlns:a14="http://schemas.microsoft.com/office/drawing/2010/main" val="0"/>
+              </a:ext>
+            </a:extLst>
+          </a:blip>
+          <a:stretch>
+            <a:fillRect/>
+          </a:stretch>
+        </p:blipFill>
         <p:spPr>
           <a:xfrm>
-            <a:off x="1053937" y="2305615"/>
-            <a:ext cx="10084121" cy="2246769"/>
+            <a:off x="3755366" y="1690688"/>
+            <a:ext cx="4681268" cy="4681268"/>
           </a:xfrm>
           <a:prstGeom prst="rect">
             <a:avLst/>
           </a:prstGeom>
-          <a:noFill/>
         </p:spPr>
-        <p:txBody>
-          <a:bodyPr wrap="square" rtlCol="0">
-            <a:spAutoFit/>
-          </a:bodyPr>
-          <a:lstStyle/>
-          <a:p>
-            <a:pPr indent="449263" algn="just"/>
-            <a:r>
-              <a:rPr lang="ru-RU" sz="2000" dirty="0">
-                <a:latin typeface="Times New Roman" panose="02020603050405020304" pitchFamily="18" charset="0"/>
-                <a:cs typeface="Times New Roman" panose="02020603050405020304" pitchFamily="18" charset="0"/>
-              </a:rPr>
-              <a:t>Наша файловая система – порядок, определяющий способ организации, хранения, именования  данных на носителях информации в компьютерах и других электронных оборудованиях. </a:t>
-            </a:r>
-          </a:p>
-          <a:p>
-            <a:pPr indent="449263" algn="just"/>
-            <a:endParaRPr lang="en-US" sz="2000" dirty="0">
-              <a:latin typeface="Times New Roman" panose="02020603050405020304" pitchFamily="18" charset="0"/>
-              <a:cs typeface="Times New Roman" panose="02020603050405020304" pitchFamily="18" charset="0"/>
-            </a:endParaRPr>
-          </a:p>
-          <a:p>
-            <a:pPr indent="449263" algn="just"/>
-            <a:r>
-              <a:rPr lang="ru-RU" sz="2000" dirty="0">
-                <a:latin typeface="Times New Roman" panose="02020603050405020304" pitchFamily="18" charset="0"/>
-                <a:cs typeface="Times New Roman" panose="02020603050405020304" pitchFamily="18" charset="0"/>
-              </a:rPr>
-              <a:t>Основная функция нашей файловой системы — обеспечить удобный доступ к хранящейся информации пользователю. Благодаря файловой системе пользователи могут легко находить, открывать, редактировать и сохранять файлы на своём устройстве.</a:t>
-            </a:r>
-          </a:p>
-        </p:txBody>
-      </p:sp>
-      <p:sp>
-        <p:nvSpPr>
-          <p:cNvPr id="3" name="TextBox 2">
-            <a:extLst>
-              <a:ext uri="{FF2B5EF4-FFF2-40B4-BE49-F238E27FC236}">
-                <a16:creationId xmlns:a16="http://schemas.microsoft.com/office/drawing/2014/main" id="{48B49D15-0989-49E7-896F-7A0152ECC8D3}"/>
-              </a:ext>
-            </a:extLst>
-          </p:cNvPr>
-          <p:cNvSpPr txBox="1"/>
-          <p:nvPr/>
-        </p:nvSpPr>
-        <p:spPr>
-          <a:xfrm>
-            <a:off x="-1" y="715993"/>
-            <a:ext cx="12191999" cy="461665"/>
-          </a:xfrm>
-          <a:prstGeom prst="rect">
-            <a:avLst/>
-          </a:prstGeom>
-          <a:noFill/>
-        </p:spPr>
-        <p:txBody>
-          <a:bodyPr wrap="square" rtlCol="0">
-            <a:spAutoFit/>
-          </a:bodyPr>
-          <a:lstStyle/>
-          <a:p>
-            <a:pPr algn="ctr"/>
-            <a:r>
-              <a:rPr lang="ru-RU" sz="2400" dirty="0">
-                <a:latin typeface="Times New Roman" panose="02020603050405020304" pitchFamily="18" charset="0"/>
-                <a:cs typeface="Times New Roman" panose="02020603050405020304" pitchFamily="18" charset="0"/>
-              </a:rPr>
-              <a:t>Файловая система </a:t>
-            </a:r>
-            <a:r>
-              <a:rPr lang="en-US" sz="2400" dirty="0">
-                <a:latin typeface="Times New Roman" panose="02020603050405020304" pitchFamily="18" charset="0"/>
-                <a:cs typeface="Times New Roman" panose="02020603050405020304" pitchFamily="18" charset="0"/>
-              </a:rPr>
-              <a:t>BSZ</a:t>
-            </a:r>
-            <a:endParaRPr lang="ru-RU" sz="2400" dirty="0">
-              <a:latin typeface="Times New Roman" panose="02020603050405020304" pitchFamily="18" charset="0"/>
-              <a:cs typeface="Times New Roman" panose="02020603050405020304" pitchFamily="18" charset="0"/>
-            </a:endParaRPr>
-          </a:p>
-        </p:txBody>
-      </p:sp>
+      </p:pic>
     </p:spTree>
     <p:extLst>
       <p:ext uri="{BB962C8B-B14F-4D97-AF65-F5344CB8AC3E}">
-        <p14:creationId xmlns:p14="http://schemas.microsoft.com/office/powerpoint/2010/main" val="2670107522"/>
+        <p14:creationId xmlns:p14="http://schemas.microsoft.com/office/powerpoint/2010/main" val="162824520"/>
       </p:ext>
     </p:extLst>
   </p:cSld>
@@ -3607,7 +3573,7 @@
           <p:cNvPr id="2" name="TextBox 1">
             <a:extLst>
               <a:ext uri="{FF2B5EF4-FFF2-40B4-BE49-F238E27FC236}">
-                <a16:creationId xmlns:a16="http://schemas.microsoft.com/office/drawing/2014/main" id="{35887C10-F454-4C01-8D6E-3209AFD22744}"/>
+                <a16:creationId xmlns:a16="http://schemas.microsoft.com/office/drawing/2014/main" id="{00F28297-A16C-454B-8612-8E228A55AB62}"/>
               </a:ext>
             </a:extLst>
           </p:cNvPr>
@@ -3616,7 +3582,63 @@
         </p:nvSpPr>
         <p:spPr>
           <a:xfrm>
-            <a:off x="1" y="682437"/>
+            <a:off x="1053937" y="2305615"/>
+            <a:ext cx="10084121" cy="2246769"/>
+          </a:xfrm>
+          <a:prstGeom prst="rect">
+            <a:avLst/>
+          </a:prstGeom>
+          <a:noFill/>
+        </p:spPr>
+        <p:txBody>
+          <a:bodyPr wrap="square" rtlCol="0">
+            <a:spAutoFit/>
+          </a:bodyPr>
+          <a:lstStyle/>
+          <a:p>
+            <a:pPr indent="449263" algn="just"/>
+            <a:r>
+              <a:rPr lang="ru-RU" sz="2000" dirty="0">
+                <a:latin typeface="Times New Roman" panose="02020603050405020304" pitchFamily="18" charset="0"/>
+                <a:cs typeface="Times New Roman" panose="02020603050405020304" pitchFamily="18" charset="0"/>
+              </a:rPr>
+              <a:t>Наша файловая система – порядок, определяющий способ организации, хранения, именования  данных на носителях информации в компьютерах и других электронных оборудованиях. </a:t>
+            </a:r>
+          </a:p>
+          <a:p>
+            <a:pPr indent="449263" algn="just"/>
+            <a:endParaRPr lang="en-US" sz="2000" dirty="0">
+              <a:latin typeface="Times New Roman" panose="02020603050405020304" pitchFamily="18" charset="0"/>
+              <a:cs typeface="Times New Roman" panose="02020603050405020304" pitchFamily="18" charset="0"/>
+            </a:endParaRPr>
+          </a:p>
+          <a:p>
+            <a:pPr indent="449263" algn="just"/>
+            <a:r>
+              <a:rPr lang="ru-RU" sz="2000" dirty="0">
+                <a:latin typeface="Times New Roman" panose="02020603050405020304" pitchFamily="18" charset="0"/>
+                <a:cs typeface="Times New Roman" panose="02020603050405020304" pitchFamily="18" charset="0"/>
+              </a:rPr>
+              <a:t>Основная функция нашей файловой системы — обеспечить удобный доступ к хранящейся информации пользователю. Благодаря файловой системе пользователи могут легко находить, открывать, редактировать и сохранять файлы на своём устройстве.</a:t>
+            </a:r>
+          </a:p>
+        </p:txBody>
+      </p:sp>
+      <p:sp>
+        <p:nvSpPr>
+          <p:cNvPr id="3" name="TextBox 2">
+            <a:extLst>
+              <a:ext uri="{FF2B5EF4-FFF2-40B4-BE49-F238E27FC236}">
+                <a16:creationId xmlns:a16="http://schemas.microsoft.com/office/drawing/2014/main" id="{48B49D15-0989-49E7-896F-7A0152ECC8D3}"/>
+              </a:ext>
+            </a:extLst>
+          </p:cNvPr>
+          <p:cNvSpPr txBox="1"/>
+          <p:nvPr/>
+        </p:nvSpPr>
+        <p:spPr>
+          <a:xfrm>
+            <a:off x="-1" y="715993"/>
             <a:ext cx="12191999" cy="461665"/>
           </a:xfrm>
           <a:prstGeom prst="rect">
@@ -3636,328 +3658,26 @@
                 <a:latin typeface="Times New Roman" panose="02020603050405020304" pitchFamily="18" charset="0"/>
                 <a:cs typeface="Times New Roman" panose="02020603050405020304" pitchFamily="18" charset="0"/>
               </a:rPr>
-              <a:t>Функции</a:t>
-            </a:r>
-          </a:p>
-        </p:txBody>
-      </p:sp>
-      <p:sp>
-        <p:nvSpPr>
-          <p:cNvPr id="3" name="TextBox 2">
-            <a:extLst>
-              <a:ext uri="{FF2B5EF4-FFF2-40B4-BE49-F238E27FC236}">
-                <a16:creationId xmlns:a16="http://schemas.microsoft.com/office/drawing/2014/main" id="{6C9A674C-793C-4C3F-B4D9-4D3AFA812505}"/>
-              </a:ext>
-            </a:extLst>
-          </p:cNvPr>
-          <p:cNvSpPr txBox="1"/>
-          <p:nvPr/>
-        </p:nvSpPr>
-        <p:spPr>
-          <a:xfrm>
-            <a:off x="346574" y="1541992"/>
-            <a:ext cx="10084121" cy="3268652"/>
-          </a:xfrm>
-          <a:prstGeom prst="rect">
-            <a:avLst/>
-          </a:prstGeom>
-          <a:noFill/>
-        </p:spPr>
-        <p:txBody>
-          <a:bodyPr wrap="square" rtlCol="0">
-            <a:spAutoFit/>
-          </a:bodyPr>
-          <a:lstStyle/>
-          <a:p>
-            <a:pPr marL="457200" indent="-457200" algn="just">
-              <a:lnSpc>
-                <a:spcPct val="150000"/>
-              </a:lnSpc>
-              <a:buAutoNum type="arabicPeriod"/>
-            </a:pPr>
-            <a:r>
-              <a:rPr lang="en-US" sz="2000" dirty="0">
-                <a:latin typeface="Times New Roman" panose="02020603050405020304" pitchFamily="18" charset="0"/>
-                <a:cs typeface="Times New Roman" panose="02020603050405020304" pitchFamily="18" charset="0"/>
-              </a:rPr>
-              <a:t>File* </a:t>
-            </a:r>
-            <a:r>
-              <a:rPr lang="en-US" sz="2000" dirty="0" err="1">
-                <a:latin typeface="Times New Roman" panose="02020603050405020304" pitchFamily="18" charset="0"/>
-                <a:cs typeface="Times New Roman" panose="02020603050405020304" pitchFamily="18" charset="0"/>
-              </a:rPr>
-              <a:t>open_file</a:t>
-            </a:r>
-            <a:r>
-              <a:rPr lang="en-US" sz="2000" dirty="0">
-                <a:latin typeface="Times New Roman" panose="02020603050405020304" pitchFamily="18" charset="0"/>
-                <a:cs typeface="Times New Roman" panose="02020603050405020304" pitchFamily="18" charset="0"/>
-              </a:rPr>
-              <a:t>(const char * bsz.txt) - </a:t>
-            </a:r>
-            <a:r>
-              <a:rPr lang="ru-RU" sz="2000" dirty="0">
-                <a:latin typeface="Times New Roman" panose="02020603050405020304" pitchFamily="18" charset="0"/>
-                <a:cs typeface="Times New Roman" panose="02020603050405020304" pitchFamily="18" charset="0"/>
-              </a:rPr>
-              <a:t>открывает либо создаёт и открывает новый файл </a:t>
-            </a:r>
-            <a:r>
-              <a:rPr lang="en-US" sz="2000" dirty="0">
-                <a:latin typeface="Times New Roman" panose="02020603050405020304" pitchFamily="18" charset="0"/>
-                <a:cs typeface="Times New Roman" panose="02020603050405020304" pitchFamily="18" charset="0"/>
-              </a:rPr>
-              <a:t>bsz.txt. </a:t>
-            </a:r>
-            <a:r>
-              <a:rPr lang="ru-RU" sz="2000" dirty="0">
-                <a:latin typeface="Times New Roman" panose="02020603050405020304" pitchFamily="18" charset="0"/>
-                <a:cs typeface="Times New Roman" panose="02020603050405020304" pitchFamily="18" charset="0"/>
-              </a:rPr>
-              <a:t>Тип данных - файловый. </a:t>
-            </a:r>
-            <a:endParaRPr lang="en-US" sz="2000" dirty="0">
+              <a:t>Файловая система </a:t>
+            </a:r>
+            <a:r>
+              <a:rPr lang="en-US" sz="2400" dirty="0">
+                <a:latin typeface="Times New Roman" panose="02020603050405020304" pitchFamily="18" charset="0"/>
+                <a:cs typeface="Times New Roman" panose="02020603050405020304" pitchFamily="18" charset="0"/>
+              </a:rPr>
+              <a:t>BSZ</a:t>
+            </a:r>
+            <a:endParaRPr lang="ru-RU" sz="2400" dirty="0">
               <a:latin typeface="Times New Roman" panose="02020603050405020304" pitchFamily="18" charset="0"/>
               <a:cs typeface="Times New Roman" panose="02020603050405020304" pitchFamily="18" charset="0"/>
             </a:endParaRPr>
           </a:p>
-          <a:p>
-            <a:pPr marL="457200" indent="-457200" algn="just">
-              <a:lnSpc>
-                <a:spcPct val="150000"/>
-              </a:lnSpc>
-              <a:buAutoNum type="arabicPeriod"/>
-            </a:pPr>
-            <a:r>
-              <a:rPr lang="en-US" sz="2000" dirty="0">
-                <a:latin typeface="Times New Roman" panose="02020603050405020304" pitchFamily="18" charset="0"/>
-                <a:cs typeface="Times New Roman" panose="02020603050405020304" pitchFamily="18" charset="0"/>
-              </a:rPr>
-              <a:t>char* </a:t>
-            </a:r>
-            <a:r>
-              <a:rPr lang="en-US" sz="2000" dirty="0" err="1">
-                <a:latin typeface="Times New Roman" panose="02020603050405020304" pitchFamily="18" charset="0"/>
-                <a:cs typeface="Times New Roman" panose="02020603050405020304" pitchFamily="18" charset="0"/>
-              </a:rPr>
-              <a:t>view_file</a:t>
-            </a:r>
-            <a:r>
-              <a:rPr lang="en-US" sz="2000" dirty="0">
-                <a:latin typeface="Times New Roman" panose="02020603050405020304" pitchFamily="18" charset="0"/>
-                <a:cs typeface="Times New Roman" panose="02020603050405020304" pitchFamily="18" charset="0"/>
-              </a:rPr>
-              <a:t>(const char* bsz.txt)- </a:t>
-            </a:r>
-            <a:r>
-              <a:rPr lang="ru-RU" sz="2000" dirty="0">
-                <a:latin typeface="Times New Roman" panose="02020603050405020304" pitchFamily="18" charset="0"/>
-                <a:cs typeface="Times New Roman" panose="02020603050405020304" pitchFamily="18" charset="0"/>
-              </a:rPr>
-              <a:t>просмотр файла </a:t>
-            </a:r>
-            <a:r>
-              <a:rPr lang="en-US" sz="2000" dirty="0">
-                <a:latin typeface="Times New Roman" panose="02020603050405020304" pitchFamily="18" charset="0"/>
-                <a:cs typeface="Times New Roman" panose="02020603050405020304" pitchFamily="18" charset="0"/>
-              </a:rPr>
-              <a:t>bsz.txt </a:t>
-            </a:r>
-            <a:r>
-              <a:rPr lang="ru-RU" sz="2000" dirty="0">
-                <a:latin typeface="Times New Roman" panose="02020603050405020304" pitchFamily="18" charset="0"/>
-                <a:cs typeface="Times New Roman" panose="02020603050405020304" pitchFamily="18" charset="0"/>
-              </a:rPr>
-              <a:t>Тип данных - текстовый. </a:t>
-            </a:r>
-            <a:endParaRPr lang="en-US" sz="2000" dirty="0">
-              <a:latin typeface="Times New Roman" panose="02020603050405020304" pitchFamily="18" charset="0"/>
-              <a:cs typeface="Times New Roman" panose="02020603050405020304" pitchFamily="18" charset="0"/>
-            </a:endParaRPr>
-          </a:p>
-          <a:p>
-            <a:pPr marL="457200" indent="-457200" algn="just">
-              <a:lnSpc>
-                <a:spcPct val="150000"/>
-              </a:lnSpc>
-              <a:buAutoNum type="arabicPeriod"/>
-            </a:pPr>
-            <a:r>
-              <a:rPr lang="en-US" sz="2000" dirty="0">
-                <a:latin typeface="Times New Roman" panose="02020603050405020304" pitchFamily="18" charset="0"/>
-                <a:cs typeface="Times New Roman" panose="02020603050405020304" pitchFamily="18" charset="0"/>
-              </a:rPr>
-              <a:t>int </a:t>
-            </a:r>
-            <a:r>
-              <a:rPr lang="en-US" sz="2000" dirty="0" err="1">
-                <a:latin typeface="Times New Roman" panose="02020603050405020304" pitchFamily="18" charset="0"/>
-                <a:cs typeface="Times New Roman" panose="02020603050405020304" pitchFamily="18" charset="0"/>
-              </a:rPr>
-              <a:t>delete_file</a:t>
-            </a:r>
-            <a:r>
-              <a:rPr lang="en-US" sz="2000" dirty="0">
-                <a:latin typeface="Times New Roman" panose="02020603050405020304" pitchFamily="18" charset="0"/>
-                <a:cs typeface="Times New Roman" panose="02020603050405020304" pitchFamily="18" charset="0"/>
-              </a:rPr>
-              <a:t>(const char* bsz.txt) - </a:t>
-            </a:r>
-            <a:r>
-              <a:rPr lang="ru-RU" sz="2000" dirty="0">
-                <a:latin typeface="Times New Roman" panose="02020603050405020304" pitchFamily="18" charset="0"/>
-                <a:cs typeface="Times New Roman" panose="02020603050405020304" pitchFamily="18" charset="0"/>
-              </a:rPr>
-              <a:t>удаляет файл </a:t>
-            </a:r>
-            <a:r>
-              <a:rPr lang="en-US" sz="2000" dirty="0">
-                <a:latin typeface="Times New Roman" panose="02020603050405020304" pitchFamily="18" charset="0"/>
-                <a:cs typeface="Times New Roman" panose="02020603050405020304" pitchFamily="18" charset="0"/>
-              </a:rPr>
-              <a:t>bsz.txt. </a:t>
-            </a:r>
-            <a:r>
-              <a:rPr lang="ru-RU" sz="2000" dirty="0">
-                <a:latin typeface="Times New Roman" panose="02020603050405020304" pitchFamily="18" charset="0"/>
-                <a:cs typeface="Times New Roman" panose="02020603050405020304" pitchFamily="18" charset="0"/>
-              </a:rPr>
-              <a:t>Тип данных - числовой.</a:t>
-            </a:r>
-            <a:endParaRPr lang="en-US" sz="2000" dirty="0">
-              <a:latin typeface="Times New Roman" panose="02020603050405020304" pitchFamily="18" charset="0"/>
-              <a:cs typeface="Times New Roman" panose="02020603050405020304" pitchFamily="18" charset="0"/>
-            </a:endParaRPr>
-          </a:p>
-          <a:p>
-            <a:pPr marL="457200" indent="-457200" algn="just">
-              <a:lnSpc>
-                <a:spcPct val="150000"/>
-              </a:lnSpc>
-              <a:buAutoNum type="arabicPeriod"/>
-            </a:pPr>
-            <a:r>
-              <a:rPr lang="en-US" sz="2000" dirty="0">
-                <a:latin typeface="Times New Roman" panose="02020603050405020304" pitchFamily="18" charset="0"/>
-                <a:cs typeface="Times New Roman" panose="02020603050405020304" pitchFamily="18" charset="0"/>
-              </a:rPr>
-              <a:t>char *</a:t>
-            </a:r>
-            <a:r>
-              <a:rPr lang="en-US" sz="2000" dirty="0" err="1">
-                <a:latin typeface="Times New Roman" panose="02020603050405020304" pitchFamily="18" charset="0"/>
-                <a:cs typeface="Times New Roman" panose="02020603050405020304" pitchFamily="18" charset="0"/>
-              </a:rPr>
-              <a:t>new_filesystem</a:t>
-            </a:r>
-            <a:r>
-              <a:rPr lang="en-US" sz="2000" dirty="0">
-                <a:latin typeface="Times New Roman" panose="02020603050405020304" pitchFamily="18" charset="0"/>
-                <a:cs typeface="Times New Roman" panose="02020603050405020304" pitchFamily="18" charset="0"/>
-              </a:rPr>
-              <a:t> - </a:t>
-            </a:r>
-            <a:r>
-              <a:rPr lang="ru-RU" sz="2000" dirty="0">
-                <a:latin typeface="Times New Roman" panose="02020603050405020304" pitchFamily="18" charset="0"/>
-                <a:cs typeface="Times New Roman" panose="02020603050405020304" pitchFamily="18" charset="0"/>
-              </a:rPr>
-              <a:t>создание новой файловой системы. Тип данных - текстовый.</a:t>
-            </a:r>
-            <a:endParaRPr lang="en-US" sz="2000" dirty="0">
-              <a:latin typeface="Times New Roman" panose="02020603050405020304" pitchFamily="18" charset="0"/>
-              <a:cs typeface="Times New Roman" panose="02020603050405020304" pitchFamily="18" charset="0"/>
-            </a:endParaRPr>
-          </a:p>
-          <a:p>
-            <a:pPr marL="457200" indent="-457200" algn="just">
-              <a:lnSpc>
-                <a:spcPct val="150000"/>
-              </a:lnSpc>
-              <a:buAutoNum type="arabicPeriod"/>
-            </a:pPr>
-            <a:r>
-              <a:rPr lang="en-US" sz="2000" dirty="0" err="1">
-                <a:latin typeface="Times New Roman" panose="02020603050405020304" pitchFamily="18" charset="0"/>
-                <a:cs typeface="Times New Roman" panose="02020603050405020304" pitchFamily="18" charset="0"/>
-              </a:rPr>
-              <a:t>modify_file</a:t>
-            </a:r>
-            <a:r>
-              <a:rPr lang="en-US" sz="2000" dirty="0">
-                <a:latin typeface="Times New Roman" panose="02020603050405020304" pitchFamily="18" charset="0"/>
-                <a:cs typeface="Times New Roman" panose="02020603050405020304" pitchFamily="18" charset="0"/>
-              </a:rPr>
-              <a:t>(const char *bsz.txt, const char *</a:t>
-            </a:r>
-            <a:r>
-              <a:rPr lang="en-US" sz="2000" dirty="0" err="1">
-                <a:latin typeface="Times New Roman" panose="02020603050405020304" pitchFamily="18" charset="0"/>
-                <a:cs typeface="Times New Roman" panose="02020603050405020304" pitchFamily="18" charset="0"/>
-              </a:rPr>
-              <a:t>new_content</a:t>
-            </a:r>
-            <a:r>
-              <a:rPr lang="en-US" sz="2000" dirty="0">
-                <a:latin typeface="Times New Roman" panose="02020603050405020304" pitchFamily="18" charset="0"/>
-                <a:cs typeface="Times New Roman" panose="02020603050405020304" pitchFamily="18" charset="0"/>
-              </a:rPr>
-              <a:t>) - </a:t>
-            </a:r>
-            <a:r>
-              <a:rPr lang="ru-RU" sz="2000" dirty="0">
-                <a:latin typeface="Times New Roman" panose="02020603050405020304" pitchFamily="18" charset="0"/>
-                <a:cs typeface="Times New Roman" panose="02020603050405020304" pitchFamily="18" charset="0"/>
-              </a:rPr>
-              <a:t>Изменение файла</a:t>
-            </a:r>
-            <a:r>
-              <a:rPr lang="en-US" sz="2000" dirty="0">
-                <a:latin typeface="Times New Roman" panose="02020603050405020304" pitchFamily="18" charset="0"/>
-                <a:cs typeface="Times New Roman" panose="02020603050405020304" pitchFamily="18" charset="0"/>
-              </a:rPr>
-              <a:t>. </a:t>
-            </a:r>
-            <a:r>
-              <a:rPr lang="ru-RU" sz="2000" dirty="0">
-                <a:latin typeface="Times New Roman" panose="02020603050405020304" pitchFamily="18" charset="0"/>
-                <a:cs typeface="Times New Roman" panose="02020603050405020304" pitchFamily="18" charset="0"/>
-              </a:rPr>
-              <a:t>Тип данных </a:t>
-            </a:r>
-            <a:r>
-              <a:rPr lang="en-US" sz="2000" dirty="0">
-                <a:latin typeface="Times New Roman" panose="02020603050405020304" pitchFamily="18" charset="0"/>
-                <a:cs typeface="Times New Roman" panose="02020603050405020304" pitchFamily="18" charset="0"/>
-              </a:rPr>
-              <a:t>– </a:t>
-            </a:r>
-            <a:r>
-              <a:rPr lang="ru-RU" sz="2000" dirty="0">
-                <a:latin typeface="Times New Roman" panose="02020603050405020304" pitchFamily="18" charset="0"/>
-                <a:cs typeface="Times New Roman" panose="02020603050405020304" pitchFamily="18" charset="0"/>
-              </a:rPr>
-              <a:t>текстовый</a:t>
-            </a:r>
-            <a:r>
-              <a:rPr lang="en-US" sz="2000" dirty="0">
-                <a:latin typeface="Times New Roman" panose="02020603050405020304" pitchFamily="18" charset="0"/>
-                <a:cs typeface="Times New Roman" panose="02020603050405020304" pitchFamily="18" charset="0"/>
-              </a:rPr>
-              <a:t>.</a:t>
-            </a:r>
-            <a:endParaRPr lang="ru-RU" sz="2000" dirty="0">
-              <a:latin typeface="Times New Roman" panose="02020603050405020304" pitchFamily="18" charset="0"/>
-              <a:cs typeface="Times New Roman" panose="02020603050405020304" pitchFamily="18" charset="0"/>
-            </a:endParaRPr>
-          </a:p>
         </p:txBody>
       </p:sp>
     </p:spTree>
     <p:extLst>
       <p:ext uri="{BB962C8B-B14F-4D97-AF65-F5344CB8AC3E}">
-        <p14:creationId xmlns:p14="http://schemas.microsoft.com/office/powerpoint/2010/main" val="4270609416"/>
+        <p14:creationId xmlns:p14="http://schemas.microsoft.com/office/powerpoint/2010/main" val="2670107522"/>
       </p:ext>
     </p:extLst>
   </p:cSld>
@@ -3989,7 +3709,7 @@
           <p:cNvPr id="2" name="TextBox 1">
             <a:extLst>
               <a:ext uri="{FF2B5EF4-FFF2-40B4-BE49-F238E27FC236}">
-                <a16:creationId xmlns:a16="http://schemas.microsoft.com/office/drawing/2014/main" id="{A6EDC263-DCF5-44C3-B0E7-3D24DF300D5F}"/>
+                <a16:creationId xmlns:a16="http://schemas.microsoft.com/office/drawing/2014/main" id="{35887C10-F454-4C01-8D6E-3209AFD22744}"/>
               </a:ext>
             </a:extLst>
           </p:cNvPr>
@@ -4018,6 +3738,388 @@
                 <a:latin typeface="Times New Roman" panose="02020603050405020304" pitchFamily="18" charset="0"/>
                 <a:cs typeface="Times New Roman" panose="02020603050405020304" pitchFamily="18" charset="0"/>
               </a:rPr>
+              <a:t>Функции</a:t>
+            </a:r>
+          </a:p>
+        </p:txBody>
+      </p:sp>
+      <p:sp>
+        <p:nvSpPr>
+          <p:cNvPr id="3" name="TextBox 2">
+            <a:extLst>
+              <a:ext uri="{FF2B5EF4-FFF2-40B4-BE49-F238E27FC236}">
+                <a16:creationId xmlns:a16="http://schemas.microsoft.com/office/drawing/2014/main" id="{6C9A674C-793C-4C3F-B4D9-4D3AFA812505}"/>
+              </a:ext>
+            </a:extLst>
+          </p:cNvPr>
+          <p:cNvSpPr txBox="1"/>
+          <p:nvPr/>
+        </p:nvSpPr>
+        <p:spPr>
+          <a:xfrm>
+            <a:off x="346574" y="1541992"/>
+            <a:ext cx="10084121" cy="3268652"/>
+          </a:xfrm>
+          <a:prstGeom prst="rect">
+            <a:avLst/>
+          </a:prstGeom>
+          <a:noFill/>
+        </p:spPr>
+        <p:txBody>
+          <a:bodyPr wrap="square" rtlCol="0">
+            <a:spAutoFit/>
+          </a:bodyPr>
+          <a:lstStyle/>
+          <a:p>
+            <a:pPr marL="457200" indent="-457200" algn="just">
+              <a:lnSpc>
+                <a:spcPct val="150000"/>
+              </a:lnSpc>
+              <a:buAutoNum type="arabicPeriod"/>
+            </a:pPr>
+            <a:r>
+              <a:rPr lang="en-US" sz="2000" dirty="0">
+                <a:latin typeface="Times New Roman" panose="02020603050405020304" pitchFamily="18" charset="0"/>
+                <a:cs typeface="Times New Roman" panose="02020603050405020304" pitchFamily="18" charset="0"/>
+              </a:rPr>
+              <a:t>File* </a:t>
+            </a:r>
+            <a:r>
+              <a:rPr lang="en-US" sz="2000" dirty="0" err="1">
+                <a:latin typeface="Times New Roman" panose="02020603050405020304" pitchFamily="18" charset="0"/>
+                <a:cs typeface="Times New Roman" panose="02020603050405020304" pitchFamily="18" charset="0"/>
+              </a:rPr>
+              <a:t>open_file</a:t>
+            </a:r>
+            <a:r>
+              <a:rPr lang="en-US" sz="2000" dirty="0">
+                <a:latin typeface="Times New Roman" panose="02020603050405020304" pitchFamily="18" charset="0"/>
+                <a:cs typeface="Times New Roman" panose="02020603050405020304" pitchFamily="18" charset="0"/>
+              </a:rPr>
+              <a:t>(const char * bsz.txt) - </a:t>
+            </a:r>
+            <a:r>
+              <a:rPr lang="ru-RU" sz="2000" dirty="0">
+                <a:latin typeface="Times New Roman" panose="02020603050405020304" pitchFamily="18" charset="0"/>
+                <a:cs typeface="Times New Roman" panose="02020603050405020304" pitchFamily="18" charset="0"/>
+              </a:rPr>
+              <a:t>открывает либо создаёт и открывает новый файл </a:t>
+            </a:r>
+            <a:r>
+              <a:rPr lang="en-US" sz="2000" dirty="0">
+                <a:latin typeface="Times New Roman" panose="02020603050405020304" pitchFamily="18" charset="0"/>
+                <a:cs typeface="Times New Roman" panose="02020603050405020304" pitchFamily="18" charset="0"/>
+              </a:rPr>
+              <a:t>bsz.txt. </a:t>
+            </a:r>
+            <a:r>
+              <a:rPr lang="ru-RU" sz="2000" dirty="0">
+                <a:latin typeface="Times New Roman" panose="02020603050405020304" pitchFamily="18" charset="0"/>
+                <a:cs typeface="Times New Roman" panose="02020603050405020304" pitchFamily="18" charset="0"/>
+              </a:rPr>
+              <a:t>Тип данных - файловый. </a:t>
+            </a:r>
+            <a:endParaRPr lang="en-US" sz="2000" dirty="0">
+              <a:latin typeface="Times New Roman" panose="02020603050405020304" pitchFamily="18" charset="0"/>
+              <a:cs typeface="Times New Roman" panose="02020603050405020304" pitchFamily="18" charset="0"/>
+            </a:endParaRPr>
+          </a:p>
+          <a:p>
+            <a:pPr marL="457200" indent="-457200" algn="just">
+              <a:lnSpc>
+                <a:spcPct val="150000"/>
+              </a:lnSpc>
+              <a:buAutoNum type="arabicPeriod"/>
+            </a:pPr>
+            <a:r>
+              <a:rPr lang="en-US" sz="2000" dirty="0">
+                <a:latin typeface="Times New Roman" panose="02020603050405020304" pitchFamily="18" charset="0"/>
+                <a:cs typeface="Times New Roman" panose="02020603050405020304" pitchFamily="18" charset="0"/>
+              </a:rPr>
+              <a:t>char* </a:t>
+            </a:r>
+            <a:r>
+              <a:rPr lang="en-US" sz="2000" dirty="0" err="1">
+                <a:latin typeface="Times New Roman" panose="02020603050405020304" pitchFamily="18" charset="0"/>
+                <a:cs typeface="Times New Roman" panose="02020603050405020304" pitchFamily="18" charset="0"/>
+              </a:rPr>
+              <a:t>view_file</a:t>
+            </a:r>
+            <a:r>
+              <a:rPr lang="en-US" sz="2000" dirty="0">
+                <a:latin typeface="Times New Roman" panose="02020603050405020304" pitchFamily="18" charset="0"/>
+                <a:cs typeface="Times New Roman" panose="02020603050405020304" pitchFamily="18" charset="0"/>
+              </a:rPr>
+              <a:t>(const char* bsz.txt)- </a:t>
+            </a:r>
+            <a:r>
+              <a:rPr lang="ru-RU" sz="2000" dirty="0">
+                <a:latin typeface="Times New Roman" panose="02020603050405020304" pitchFamily="18" charset="0"/>
+                <a:cs typeface="Times New Roman" panose="02020603050405020304" pitchFamily="18" charset="0"/>
+              </a:rPr>
+              <a:t>просмотр файла </a:t>
+            </a:r>
+            <a:r>
+              <a:rPr lang="en-US" sz="2000" dirty="0">
+                <a:latin typeface="Times New Roman" panose="02020603050405020304" pitchFamily="18" charset="0"/>
+                <a:cs typeface="Times New Roman" panose="02020603050405020304" pitchFamily="18" charset="0"/>
+              </a:rPr>
+              <a:t>bsz.txt </a:t>
+            </a:r>
+            <a:r>
+              <a:rPr lang="ru-RU" sz="2000" dirty="0">
+                <a:latin typeface="Times New Roman" panose="02020603050405020304" pitchFamily="18" charset="0"/>
+                <a:cs typeface="Times New Roman" panose="02020603050405020304" pitchFamily="18" charset="0"/>
+              </a:rPr>
+              <a:t>Тип данных - текстовый. </a:t>
+            </a:r>
+            <a:endParaRPr lang="en-US" sz="2000" dirty="0">
+              <a:latin typeface="Times New Roman" panose="02020603050405020304" pitchFamily="18" charset="0"/>
+              <a:cs typeface="Times New Roman" panose="02020603050405020304" pitchFamily="18" charset="0"/>
+            </a:endParaRPr>
+          </a:p>
+          <a:p>
+            <a:pPr marL="457200" indent="-457200" algn="just">
+              <a:lnSpc>
+                <a:spcPct val="150000"/>
+              </a:lnSpc>
+              <a:buAutoNum type="arabicPeriod"/>
+            </a:pPr>
+            <a:r>
+              <a:rPr lang="en-US" sz="2000" dirty="0">
+                <a:latin typeface="Times New Roman" panose="02020603050405020304" pitchFamily="18" charset="0"/>
+                <a:cs typeface="Times New Roman" panose="02020603050405020304" pitchFamily="18" charset="0"/>
+              </a:rPr>
+              <a:t>int </a:t>
+            </a:r>
+            <a:r>
+              <a:rPr lang="en-US" sz="2000" dirty="0" err="1">
+                <a:latin typeface="Times New Roman" panose="02020603050405020304" pitchFamily="18" charset="0"/>
+                <a:cs typeface="Times New Roman" panose="02020603050405020304" pitchFamily="18" charset="0"/>
+              </a:rPr>
+              <a:t>delete_file</a:t>
+            </a:r>
+            <a:r>
+              <a:rPr lang="en-US" sz="2000" dirty="0">
+                <a:latin typeface="Times New Roman" panose="02020603050405020304" pitchFamily="18" charset="0"/>
+                <a:cs typeface="Times New Roman" panose="02020603050405020304" pitchFamily="18" charset="0"/>
+              </a:rPr>
+              <a:t>(const char* bsz.txt) - </a:t>
+            </a:r>
+            <a:r>
+              <a:rPr lang="ru-RU" sz="2000" dirty="0">
+                <a:latin typeface="Times New Roman" panose="02020603050405020304" pitchFamily="18" charset="0"/>
+                <a:cs typeface="Times New Roman" panose="02020603050405020304" pitchFamily="18" charset="0"/>
+              </a:rPr>
+              <a:t>удаляет файл </a:t>
+            </a:r>
+            <a:r>
+              <a:rPr lang="en-US" sz="2000" dirty="0">
+                <a:latin typeface="Times New Roman" panose="02020603050405020304" pitchFamily="18" charset="0"/>
+                <a:cs typeface="Times New Roman" panose="02020603050405020304" pitchFamily="18" charset="0"/>
+              </a:rPr>
+              <a:t>bsz.txt. </a:t>
+            </a:r>
+            <a:r>
+              <a:rPr lang="ru-RU" sz="2000" dirty="0">
+                <a:latin typeface="Times New Roman" panose="02020603050405020304" pitchFamily="18" charset="0"/>
+                <a:cs typeface="Times New Roman" panose="02020603050405020304" pitchFamily="18" charset="0"/>
+              </a:rPr>
+              <a:t>Тип данных - числовой.</a:t>
+            </a:r>
+            <a:endParaRPr lang="en-US" sz="2000" dirty="0">
+              <a:latin typeface="Times New Roman" panose="02020603050405020304" pitchFamily="18" charset="0"/>
+              <a:cs typeface="Times New Roman" panose="02020603050405020304" pitchFamily="18" charset="0"/>
+            </a:endParaRPr>
+          </a:p>
+          <a:p>
+            <a:pPr marL="457200" indent="-457200" algn="just">
+              <a:lnSpc>
+                <a:spcPct val="150000"/>
+              </a:lnSpc>
+              <a:buAutoNum type="arabicPeriod"/>
+            </a:pPr>
+            <a:r>
+              <a:rPr lang="en-US" sz="2000" dirty="0">
+                <a:latin typeface="Times New Roman" panose="02020603050405020304" pitchFamily="18" charset="0"/>
+                <a:cs typeface="Times New Roman" panose="02020603050405020304" pitchFamily="18" charset="0"/>
+              </a:rPr>
+              <a:t>char *</a:t>
+            </a:r>
+            <a:r>
+              <a:rPr lang="en-US" sz="2000" dirty="0" err="1">
+                <a:latin typeface="Times New Roman" panose="02020603050405020304" pitchFamily="18" charset="0"/>
+                <a:cs typeface="Times New Roman" panose="02020603050405020304" pitchFamily="18" charset="0"/>
+              </a:rPr>
+              <a:t>new_filesystem</a:t>
+            </a:r>
+            <a:r>
+              <a:rPr lang="en-US" sz="2000" dirty="0">
+                <a:latin typeface="Times New Roman" panose="02020603050405020304" pitchFamily="18" charset="0"/>
+                <a:cs typeface="Times New Roman" panose="02020603050405020304" pitchFamily="18" charset="0"/>
+              </a:rPr>
+              <a:t> - </a:t>
+            </a:r>
+            <a:r>
+              <a:rPr lang="ru-RU" sz="2000" dirty="0">
+                <a:latin typeface="Times New Roman" panose="02020603050405020304" pitchFamily="18" charset="0"/>
+                <a:cs typeface="Times New Roman" panose="02020603050405020304" pitchFamily="18" charset="0"/>
+              </a:rPr>
+              <a:t>создание новой файловой системы. Тип данных - текстовый.</a:t>
+            </a:r>
+            <a:endParaRPr lang="en-US" sz="2000" dirty="0">
+              <a:latin typeface="Times New Roman" panose="02020603050405020304" pitchFamily="18" charset="0"/>
+              <a:cs typeface="Times New Roman" panose="02020603050405020304" pitchFamily="18" charset="0"/>
+            </a:endParaRPr>
+          </a:p>
+          <a:p>
+            <a:pPr marL="457200" indent="-457200" algn="just">
+              <a:lnSpc>
+                <a:spcPct val="150000"/>
+              </a:lnSpc>
+              <a:buAutoNum type="arabicPeriod"/>
+            </a:pPr>
+            <a:r>
+              <a:rPr lang="en-US" sz="2000" dirty="0" err="1">
+                <a:latin typeface="Times New Roman" panose="02020603050405020304" pitchFamily="18" charset="0"/>
+                <a:cs typeface="Times New Roman" panose="02020603050405020304" pitchFamily="18" charset="0"/>
+              </a:rPr>
+              <a:t>modify_file</a:t>
+            </a:r>
+            <a:r>
+              <a:rPr lang="en-US" sz="2000" dirty="0">
+                <a:latin typeface="Times New Roman" panose="02020603050405020304" pitchFamily="18" charset="0"/>
+                <a:cs typeface="Times New Roman" panose="02020603050405020304" pitchFamily="18" charset="0"/>
+              </a:rPr>
+              <a:t>(const char *bsz.txt, const char *</a:t>
+            </a:r>
+            <a:r>
+              <a:rPr lang="en-US" sz="2000" dirty="0" err="1">
+                <a:latin typeface="Times New Roman" panose="02020603050405020304" pitchFamily="18" charset="0"/>
+                <a:cs typeface="Times New Roman" panose="02020603050405020304" pitchFamily="18" charset="0"/>
+              </a:rPr>
+              <a:t>new_content</a:t>
+            </a:r>
+            <a:r>
+              <a:rPr lang="en-US" sz="2000" dirty="0">
+                <a:latin typeface="Times New Roman" panose="02020603050405020304" pitchFamily="18" charset="0"/>
+                <a:cs typeface="Times New Roman" panose="02020603050405020304" pitchFamily="18" charset="0"/>
+              </a:rPr>
+              <a:t>) - </a:t>
+            </a:r>
+            <a:r>
+              <a:rPr lang="ru-RU" sz="2000" dirty="0">
+                <a:latin typeface="Times New Roman" panose="02020603050405020304" pitchFamily="18" charset="0"/>
+                <a:cs typeface="Times New Roman" panose="02020603050405020304" pitchFamily="18" charset="0"/>
+              </a:rPr>
+              <a:t>Изменение файла</a:t>
+            </a:r>
+            <a:r>
+              <a:rPr lang="en-US" sz="2000" dirty="0">
+                <a:latin typeface="Times New Roman" panose="02020603050405020304" pitchFamily="18" charset="0"/>
+                <a:cs typeface="Times New Roman" panose="02020603050405020304" pitchFamily="18" charset="0"/>
+              </a:rPr>
+              <a:t>. </a:t>
+            </a:r>
+            <a:r>
+              <a:rPr lang="ru-RU" sz="2000" dirty="0">
+                <a:latin typeface="Times New Roman" panose="02020603050405020304" pitchFamily="18" charset="0"/>
+                <a:cs typeface="Times New Roman" panose="02020603050405020304" pitchFamily="18" charset="0"/>
+              </a:rPr>
+              <a:t>Тип данных </a:t>
+            </a:r>
+            <a:r>
+              <a:rPr lang="en-US" sz="2000" dirty="0">
+                <a:latin typeface="Times New Roman" panose="02020603050405020304" pitchFamily="18" charset="0"/>
+                <a:cs typeface="Times New Roman" panose="02020603050405020304" pitchFamily="18" charset="0"/>
+              </a:rPr>
+              <a:t>– </a:t>
+            </a:r>
+            <a:r>
+              <a:rPr lang="ru-RU" sz="2000" dirty="0">
+                <a:latin typeface="Times New Roman" panose="02020603050405020304" pitchFamily="18" charset="0"/>
+                <a:cs typeface="Times New Roman" panose="02020603050405020304" pitchFamily="18" charset="0"/>
+              </a:rPr>
+              <a:t>текстовый</a:t>
+            </a:r>
+            <a:r>
+              <a:rPr lang="en-US" sz="2000" dirty="0">
+                <a:latin typeface="Times New Roman" panose="02020603050405020304" pitchFamily="18" charset="0"/>
+                <a:cs typeface="Times New Roman" panose="02020603050405020304" pitchFamily="18" charset="0"/>
+              </a:rPr>
+              <a:t>.</a:t>
+            </a:r>
+            <a:endParaRPr lang="ru-RU" sz="2000" dirty="0">
+              <a:latin typeface="Times New Roman" panose="02020603050405020304" pitchFamily="18" charset="0"/>
+              <a:cs typeface="Times New Roman" panose="02020603050405020304" pitchFamily="18" charset="0"/>
+            </a:endParaRPr>
+          </a:p>
+        </p:txBody>
+      </p:sp>
+    </p:spTree>
+    <p:extLst>
+      <p:ext uri="{BB962C8B-B14F-4D97-AF65-F5344CB8AC3E}">
+        <p14:creationId xmlns:p14="http://schemas.microsoft.com/office/powerpoint/2010/main" val="4270609416"/>
+      </p:ext>
+    </p:extLst>
+  </p:cSld>
+  <p:clrMapOvr>
+    <a:masterClrMapping/>
+  </p:clrMapOvr>
+</p:sld>
+</file>
+
+<file path=ppt/slides/slide5.xml><?xml version="1.0" encoding="utf-8"?>
+<p:sld xmlns:a="http://schemas.openxmlformats.org/drawingml/2006/main" xmlns:r="http://schemas.openxmlformats.org/officeDocument/2006/relationships" xmlns:p="http://schemas.openxmlformats.org/presentationml/2006/main">
+  <p:cSld>
+    <p:spTree>
+      <p:nvGrpSpPr>
+        <p:cNvPr id="1" name=""/>
+        <p:cNvGrpSpPr/>
+        <p:nvPr/>
+      </p:nvGrpSpPr>
+      <p:grpSpPr>
+        <a:xfrm>
+          <a:off x="0" y="0"/>
+          <a:ext cx="0" cy="0"/>
+          <a:chOff x="0" y="0"/>
+          <a:chExt cx="0" cy="0"/>
+        </a:xfrm>
+      </p:grpSpPr>
+      <p:sp>
+        <p:nvSpPr>
+          <p:cNvPr id="2" name="TextBox 1">
+            <a:extLst>
+              <a:ext uri="{FF2B5EF4-FFF2-40B4-BE49-F238E27FC236}">
+                <a16:creationId xmlns:a16="http://schemas.microsoft.com/office/drawing/2014/main" id="{A6EDC263-DCF5-44C3-B0E7-3D24DF300D5F}"/>
+              </a:ext>
+            </a:extLst>
+          </p:cNvPr>
+          <p:cNvSpPr txBox="1"/>
+          <p:nvPr/>
+        </p:nvSpPr>
+        <p:spPr>
+          <a:xfrm>
+            <a:off x="1" y="682437"/>
+            <a:ext cx="12191999" cy="461665"/>
+          </a:xfrm>
+          <a:prstGeom prst="rect">
+            <a:avLst/>
+          </a:prstGeom>
+          <a:noFill/>
+        </p:spPr>
+        <p:txBody>
+          <a:bodyPr wrap="square" rtlCol="0">
+            <a:spAutoFit/>
+          </a:bodyPr>
+          <a:lstStyle/>
+          <a:p>
+            <a:pPr algn="ctr"/>
+            <a:r>
+              <a:rPr lang="ru-RU" sz="2400" dirty="0">
+                <a:latin typeface="Times New Roman" panose="02020603050405020304" pitchFamily="18" charset="0"/>
+                <a:cs typeface="Times New Roman" panose="02020603050405020304" pitchFamily="18" charset="0"/>
+              </a:rPr>
               <a:t>Подключение библиотеки</a:t>
             </a:r>
           </a:p>
@@ -4126,6 +4228,328 @@
     <p:extLst>
       <p:ext uri="{BB962C8B-B14F-4D97-AF65-F5344CB8AC3E}">
         <p14:creationId xmlns:p14="http://schemas.microsoft.com/office/powerpoint/2010/main" val="2256723377"/>
+      </p:ext>
+    </p:extLst>
+  </p:cSld>
+  <p:clrMapOvr>
+    <a:masterClrMapping/>
+  </p:clrMapOvr>
+</p:sld>
+</file>
+
+<file path=ppt/slides/slide6.xml><?xml version="1.0" encoding="utf-8"?>
+<p:sld xmlns:a="http://schemas.openxmlformats.org/drawingml/2006/main" xmlns:r="http://schemas.openxmlformats.org/officeDocument/2006/relationships" xmlns:p="http://schemas.openxmlformats.org/presentationml/2006/main">
+  <p:cSld>
+    <p:spTree>
+      <p:nvGrpSpPr>
+        <p:cNvPr id="1" name=""/>
+        <p:cNvGrpSpPr/>
+        <p:nvPr/>
+      </p:nvGrpSpPr>
+      <p:grpSpPr>
+        <a:xfrm>
+          <a:off x="0" y="0"/>
+          <a:ext cx="0" cy="0"/>
+          <a:chOff x="0" y="0"/>
+          <a:chExt cx="0" cy="0"/>
+        </a:xfrm>
+      </p:grpSpPr>
+      <p:sp>
+        <p:nvSpPr>
+          <p:cNvPr id="2" name="TextBox 1">
+            <a:extLst>
+              <a:ext uri="{FF2B5EF4-FFF2-40B4-BE49-F238E27FC236}">
+                <a16:creationId xmlns:a16="http://schemas.microsoft.com/office/drawing/2014/main" id="{A6EDC263-DCF5-44C3-B0E7-3D24DF300D5F}"/>
+              </a:ext>
+            </a:extLst>
+          </p:cNvPr>
+          <p:cNvSpPr txBox="1"/>
+          <p:nvPr/>
+        </p:nvSpPr>
+        <p:spPr>
+          <a:xfrm>
+            <a:off x="1" y="682437"/>
+            <a:ext cx="12191999" cy="461665"/>
+          </a:xfrm>
+          <a:prstGeom prst="rect">
+            <a:avLst/>
+          </a:prstGeom>
+          <a:noFill/>
+        </p:spPr>
+        <p:txBody>
+          <a:bodyPr wrap="square" rtlCol="0">
+            <a:spAutoFit/>
+          </a:bodyPr>
+          <a:lstStyle/>
+          <a:p>
+            <a:pPr algn="ctr"/>
+            <a:r>
+              <a:rPr lang="ru-RU" sz="2400" dirty="0">
+                <a:latin typeface="Times New Roman" panose="02020603050405020304" pitchFamily="18" charset="0"/>
+                <a:cs typeface="Times New Roman" panose="02020603050405020304" pitchFamily="18" charset="0"/>
+              </a:rPr>
+              <a:t>Принцип использования команд</a:t>
+            </a:r>
+          </a:p>
+        </p:txBody>
+      </p:sp>
+      <p:sp>
+        <p:nvSpPr>
+          <p:cNvPr id="3" name="TextBox 2">
+            <a:extLst>
+              <a:ext uri="{FF2B5EF4-FFF2-40B4-BE49-F238E27FC236}">
+                <a16:creationId xmlns:a16="http://schemas.microsoft.com/office/drawing/2014/main" id="{7F3C8051-9770-40B8-91CA-D03FED1AB335}"/>
+              </a:ext>
+            </a:extLst>
+          </p:cNvPr>
+          <p:cNvSpPr txBox="1"/>
+          <p:nvPr/>
+        </p:nvSpPr>
+        <p:spPr>
+          <a:xfrm>
+            <a:off x="1053939" y="1902719"/>
+            <a:ext cx="10084121" cy="3730317"/>
+          </a:xfrm>
+          <a:prstGeom prst="rect">
+            <a:avLst/>
+          </a:prstGeom>
+          <a:noFill/>
+        </p:spPr>
+        <p:txBody>
+          <a:bodyPr wrap="square" rtlCol="0">
+            <a:spAutoFit/>
+          </a:bodyPr>
+          <a:lstStyle/>
+          <a:p>
+            <a:pPr indent="449263" algn="just">
+              <a:lnSpc>
+                <a:spcPct val="150000"/>
+              </a:lnSpc>
+            </a:pPr>
+            <a:r>
+              <a:rPr lang="ru-RU" sz="2000" dirty="0">
+                <a:latin typeface="Times New Roman" panose="02020603050405020304" pitchFamily="18" charset="0"/>
+                <a:cs typeface="Times New Roman" panose="02020603050405020304" pitchFamily="18" charset="0"/>
+              </a:rPr>
+              <a:t>Создание файла:</a:t>
+            </a:r>
+          </a:p>
+          <a:p>
+            <a:pPr algn="just">
+              <a:lnSpc>
+                <a:spcPct val="150000"/>
+              </a:lnSpc>
+            </a:pPr>
+            <a:r>
+              <a:rPr lang="en-US" sz="2000" dirty="0">
+                <a:latin typeface="Times New Roman" panose="02020603050405020304" pitchFamily="18" charset="0"/>
+                <a:cs typeface="Times New Roman" panose="02020603050405020304" pitchFamily="18" charset="0"/>
+              </a:rPr>
+              <a:t>char </a:t>
+            </a:r>
+            <a:r>
+              <a:rPr lang="en-US" sz="2000" dirty="0" err="1">
+                <a:latin typeface="Times New Roman" panose="02020603050405020304" pitchFamily="18" charset="0"/>
+                <a:cs typeface="Times New Roman" panose="02020603050405020304" pitchFamily="18" charset="0"/>
+              </a:rPr>
+              <a:t>create_file</a:t>
+            </a:r>
+            <a:r>
+              <a:rPr lang="en-US" sz="2000" dirty="0">
+                <a:latin typeface="Times New Roman" panose="02020603050405020304" pitchFamily="18" charset="0"/>
+                <a:cs typeface="Times New Roman" panose="02020603050405020304" pitchFamily="18" charset="0"/>
+              </a:rPr>
+              <a:t> bsz.txt "</a:t>
+            </a:r>
+            <a:r>
+              <a:rPr lang="ru-RU" sz="2000" dirty="0">
+                <a:latin typeface="Times New Roman" panose="02020603050405020304" pitchFamily="18" charset="0"/>
+                <a:cs typeface="Times New Roman" panose="02020603050405020304" pitchFamily="18" charset="0"/>
+              </a:rPr>
+              <a:t>Файл </a:t>
+            </a:r>
+            <a:r>
+              <a:rPr lang="en-US" sz="2000" dirty="0">
+                <a:latin typeface="Times New Roman" panose="02020603050405020304" pitchFamily="18" charset="0"/>
+                <a:cs typeface="Times New Roman" panose="02020603050405020304" pitchFamily="18" charset="0"/>
+              </a:rPr>
+              <a:t>bsz.txt </a:t>
+            </a:r>
+            <a:r>
+              <a:rPr lang="ru-RU" sz="2000" dirty="0">
+                <a:latin typeface="Times New Roman" panose="02020603050405020304" pitchFamily="18" charset="0"/>
+                <a:cs typeface="Times New Roman" panose="02020603050405020304" pitchFamily="18" charset="0"/>
+              </a:rPr>
+              <a:t>создан"</a:t>
+            </a:r>
+          </a:p>
+          <a:p>
+            <a:pPr indent="450000" algn="just">
+              <a:lnSpc>
+                <a:spcPct val="150000"/>
+              </a:lnSpc>
+            </a:pPr>
+            <a:r>
+              <a:rPr lang="ru-RU" sz="2000" dirty="0">
+                <a:latin typeface="Times New Roman" panose="02020603050405020304" pitchFamily="18" charset="0"/>
+                <a:cs typeface="Times New Roman" panose="02020603050405020304" pitchFamily="18" charset="0"/>
+              </a:rPr>
+              <a:t>Удаление файла:</a:t>
+            </a:r>
+          </a:p>
+          <a:p>
+            <a:pPr algn="just">
+              <a:lnSpc>
+                <a:spcPct val="150000"/>
+              </a:lnSpc>
+            </a:pPr>
+            <a:r>
+              <a:rPr lang="en-US" sz="2000" dirty="0">
+                <a:latin typeface="Times New Roman" panose="02020603050405020304" pitchFamily="18" charset="0"/>
+                <a:cs typeface="Times New Roman" panose="02020603050405020304" pitchFamily="18" charset="0"/>
+              </a:rPr>
+              <a:t>int </a:t>
+            </a:r>
+            <a:r>
+              <a:rPr lang="en-US" sz="2000" dirty="0" err="1">
+                <a:latin typeface="Times New Roman" panose="02020603050405020304" pitchFamily="18" charset="0"/>
+                <a:cs typeface="Times New Roman" panose="02020603050405020304" pitchFamily="18" charset="0"/>
+              </a:rPr>
+              <a:t>delete_file</a:t>
+            </a:r>
+            <a:r>
+              <a:rPr lang="en-US" sz="2000" dirty="0">
+                <a:latin typeface="Times New Roman" panose="02020603050405020304" pitchFamily="18" charset="0"/>
+                <a:cs typeface="Times New Roman" panose="02020603050405020304" pitchFamily="18" charset="0"/>
+              </a:rPr>
+              <a:t> bsz.txt "</a:t>
+            </a:r>
+            <a:r>
+              <a:rPr lang="ru-RU" sz="2000" dirty="0">
+                <a:latin typeface="Times New Roman" panose="02020603050405020304" pitchFamily="18" charset="0"/>
+                <a:cs typeface="Times New Roman" panose="02020603050405020304" pitchFamily="18" charset="0"/>
+              </a:rPr>
+              <a:t>Ошибка открытия файла"</a:t>
+            </a:r>
+          </a:p>
+          <a:p>
+            <a:pPr indent="450000" algn="just">
+              <a:lnSpc>
+                <a:spcPct val="150000"/>
+              </a:lnSpc>
+            </a:pPr>
+            <a:r>
+              <a:rPr lang="ru-RU" sz="2000" dirty="0">
+                <a:latin typeface="Times New Roman" panose="02020603050405020304" pitchFamily="18" charset="0"/>
+                <a:cs typeface="Times New Roman" panose="02020603050405020304" pitchFamily="18" charset="0"/>
+              </a:rPr>
+              <a:t>Изменение файла:</a:t>
+            </a:r>
+          </a:p>
+          <a:p>
+            <a:pPr algn="just">
+              <a:lnSpc>
+                <a:spcPct val="150000"/>
+              </a:lnSpc>
+            </a:pPr>
+            <a:r>
+              <a:rPr lang="en-US" sz="2000" dirty="0">
+                <a:latin typeface="Times New Roman" panose="02020603050405020304" pitchFamily="18" charset="0"/>
+                <a:cs typeface="Times New Roman" panose="02020603050405020304" pitchFamily="18" charset="0"/>
+              </a:rPr>
+              <a:t>int </a:t>
+            </a:r>
+            <a:r>
+              <a:rPr lang="en-US" sz="2000" dirty="0" err="1">
+                <a:latin typeface="Times New Roman" panose="02020603050405020304" pitchFamily="18" charset="0"/>
+                <a:cs typeface="Times New Roman" panose="02020603050405020304" pitchFamily="18" charset="0"/>
+              </a:rPr>
+              <a:t>modify_file</a:t>
+            </a:r>
+            <a:r>
+              <a:rPr lang="en-US" sz="2000" dirty="0">
+                <a:latin typeface="Times New Roman" panose="02020603050405020304" pitchFamily="18" charset="0"/>
+                <a:cs typeface="Times New Roman" panose="02020603050405020304" pitchFamily="18" charset="0"/>
+              </a:rPr>
+              <a:t> bsz.txt "</a:t>
+            </a:r>
+            <a:r>
+              <a:rPr lang="ru-RU" sz="2000" dirty="0">
+                <a:latin typeface="Times New Roman" panose="02020603050405020304" pitchFamily="18" charset="0"/>
+                <a:cs typeface="Times New Roman" panose="02020603050405020304" pitchFamily="18" charset="0"/>
+              </a:rPr>
+              <a:t>Файл </a:t>
+            </a:r>
+            <a:r>
+              <a:rPr lang="en-US" sz="2000" dirty="0">
+                <a:latin typeface="Times New Roman" panose="02020603050405020304" pitchFamily="18" charset="0"/>
+                <a:cs typeface="Times New Roman" panose="02020603050405020304" pitchFamily="18" charset="0"/>
+              </a:rPr>
+              <a:t>bsz.txt </a:t>
+            </a:r>
+            <a:r>
+              <a:rPr lang="ru-RU" sz="2000" dirty="0">
+                <a:latin typeface="Times New Roman" panose="02020603050405020304" pitchFamily="18" charset="0"/>
+                <a:cs typeface="Times New Roman" panose="02020603050405020304" pitchFamily="18" charset="0"/>
+              </a:rPr>
+              <a:t>успешно изменен"</a:t>
+            </a:r>
+          </a:p>
+          <a:p>
+            <a:pPr indent="450000" algn="just">
+              <a:lnSpc>
+                <a:spcPct val="150000"/>
+              </a:lnSpc>
+            </a:pPr>
+            <a:r>
+              <a:rPr lang="ru-RU" sz="2000" dirty="0">
+                <a:latin typeface="Times New Roman" panose="02020603050405020304" pitchFamily="18" charset="0"/>
+                <a:cs typeface="Times New Roman" panose="02020603050405020304" pitchFamily="18" charset="0"/>
+              </a:rPr>
+              <a:t>Просмотр файла:</a:t>
+            </a:r>
+          </a:p>
+          <a:p>
+            <a:pPr algn="just">
+              <a:lnSpc>
+                <a:spcPct val="150000"/>
+              </a:lnSpc>
+            </a:pPr>
+            <a:r>
+              <a:rPr lang="en-US" sz="2000" dirty="0">
+                <a:latin typeface="Times New Roman" panose="02020603050405020304" pitchFamily="18" charset="0"/>
+                <a:cs typeface="Times New Roman" panose="02020603050405020304" pitchFamily="18" charset="0"/>
+              </a:rPr>
+              <a:t>char *</a:t>
+            </a:r>
+            <a:r>
+              <a:rPr lang="en-US" sz="2000" dirty="0" err="1">
+                <a:latin typeface="Times New Roman" panose="02020603050405020304" pitchFamily="18" charset="0"/>
+                <a:cs typeface="Times New Roman" panose="02020603050405020304" pitchFamily="18" charset="0"/>
+              </a:rPr>
+              <a:t>view_file</a:t>
+            </a:r>
+            <a:r>
+              <a:rPr lang="en-US" sz="2000" dirty="0">
+                <a:latin typeface="Times New Roman" panose="02020603050405020304" pitchFamily="18" charset="0"/>
+                <a:cs typeface="Times New Roman" panose="02020603050405020304" pitchFamily="18" charset="0"/>
+              </a:rPr>
+              <a:t> bsz.txt "</a:t>
+            </a:r>
+            <a:r>
+              <a:rPr lang="ru-RU" sz="2000" dirty="0">
+                <a:latin typeface="Times New Roman" panose="02020603050405020304" pitchFamily="18" charset="0"/>
+                <a:cs typeface="Times New Roman" panose="02020603050405020304" pitchFamily="18" charset="0"/>
+              </a:rPr>
+              <a:t>Файл просмотрен"</a:t>
+            </a:r>
+          </a:p>
+        </p:txBody>
+      </p:sp>
+    </p:spTree>
+    <p:extLst>
+      <p:ext uri="{BB962C8B-B14F-4D97-AF65-F5344CB8AC3E}">
+        <p14:creationId xmlns:p14="http://schemas.microsoft.com/office/powerpoint/2010/main" val="3089098084"/>
       </p:ext>
     </p:extLst>
   </p:cSld>
